--- a/Documents/Meeting Updates/MarchingMasters-0427.pptx
+++ b/Documents/Meeting Updates/MarchingMasters-0427.pptx
@@ -4456,7 +4456,7 @@
             <a:pPr lvl="1"/>
             <a:r>
               <a:rPr lang="en-US" sz="2000" dirty="0"/>
-              <a:t>&lt;Quantitative objective&gt;</a:t>
+              <a:t>Complete 5/5 test cases for the invalid path</a:t>
             </a:r>
             <a:endParaRPr lang="en-US" dirty="0"/>
           </a:p>

--- a/Documents/Meeting Updates/MarchingMasters-0427.pptx
+++ b/Documents/Meeting Updates/MarchingMasters-0427.pptx
@@ -312,7 +312,7 @@
           <a:p>
             <a:fld id="{76A6DF96-24C9-6049-963C-8A018557765F}" type="datetimeFigureOut">
               <a:rPr lang="en-US" smtClean="0"/>
-              <a:t>4/25/21</a:t>
+              <a:t>4/27/2021</a:t>
             </a:fld>
             <a:endParaRPr lang="en-US"/>
           </a:p>
@@ -510,7 +510,7 @@
           <a:p>
             <a:fld id="{76A6DF96-24C9-6049-963C-8A018557765F}" type="datetimeFigureOut">
               <a:rPr lang="en-US" smtClean="0"/>
-              <a:t>4/25/21</a:t>
+              <a:t>4/27/2021</a:t>
             </a:fld>
             <a:endParaRPr lang="en-US"/>
           </a:p>
@@ -718,7 +718,7 @@
           <a:p>
             <a:fld id="{76A6DF96-24C9-6049-963C-8A018557765F}" type="datetimeFigureOut">
               <a:rPr lang="en-US" smtClean="0"/>
-              <a:t>4/25/21</a:t>
+              <a:t>4/27/2021</a:t>
             </a:fld>
             <a:endParaRPr lang="en-US"/>
           </a:p>
@@ -916,7 +916,7 @@
           <a:p>
             <a:fld id="{76A6DF96-24C9-6049-963C-8A018557765F}" type="datetimeFigureOut">
               <a:rPr lang="en-US" smtClean="0"/>
-              <a:t>4/25/21</a:t>
+              <a:t>4/27/2021</a:t>
             </a:fld>
             <a:endParaRPr lang="en-US"/>
           </a:p>
@@ -1191,7 +1191,7 @@
           <a:p>
             <a:fld id="{76A6DF96-24C9-6049-963C-8A018557765F}" type="datetimeFigureOut">
               <a:rPr lang="en-US" smtClean="0"/>
-              <a:t>4/25/21</a:t>
+              <a:t>4/27/2021</a:t>
             </a:fld>
             <a:endParaRPr lang="en-US"/>
           </a:p>
@@ -1456,7 +1456,7 @@
           <a:p>
             <a:fld id="{76A6DF96-24C9-6049-963C-8A018557765F}" type="datetimeFigureOut">
               <a:rPr lang="en-US" smtClean="0"/>
-              <a:t>4/25/21</a:t>
+              <a:t>4/27/2021</a:t>
             </a:fld>
             <a:endParaRPr lang="en-US"/>
           </a:p>
@@ -1868,7 +1868,7 @@
           <a:p>
             <a:fld id="{76A6DF96-24C9-6049-963C-8A018557765F}" type="datetimeFigureOut">
               <a:rPr lang="en-US" smtClean="0"/>
-              <a:t>4/25/21</a:t>
+              <a:t>4/27/2021</a:t>
             </a:fld>
             <a:endParaRPr lang="en-US"/>
           </a:p>
@@ -2009,7 +2009,7 @@
           <a:p>
             <a:fld id="{76A6DF96-24C9-6049-963C-8A018557765F}" type="datetimeFigureOut">
               <a:rPr lang="en-US" smtClean="0"/>
-              <a:t>4/25/21</a:t>
+              <a:t>4/27/2021</a:t>
             </a:fld>
             <a:endParaRPr lang="en-US"/>
           </a:p>
@@ -2122,7 +2122,7 @@
           <a:p>
             <a:fld id="{76A6DF96-24C9-6049-963C-8A018557765F}" type="datetimeFigureOut">
               <a:rPr lang="en-US" smtClean="0"/>
-              <a:t>4/25/21</a:t>
+              <a:t>4/27/2021</a:t>
             </a:fld>
             <a:endParaRPr lang="en-US"/>
           </a:p>
@@ -2433,7 +2433,7 @@
           <a:p>
             <a:fld id="{76A6DF96-24C9-6049-963C-8A018557765F}" type="datetimeFigureOut">
               <a:rPr lang="en-US" smtClean="0"/>
-              <a:t>4/25/21</a:t>
+              <a:t>4/27/2021</a:t>
             </a:fld>
             <a:endParaRPr lang="en-US"/>
           </a:p>
@@ -2721,7 +2721,7 @@
           <a:p>
             <a:fld id="{76A6DF96-24C9-6049-963C-8A018557765F}" type="datetimeFigureOut">
               <a:rPr lang="en-US" smtClean="0"/>
-              <a:t>4/25/21</a:t>
+              <a:t>4/27/2021</a:t>
             </a:fld>
             <a:endParaRPr lang="en-US"/>
           </a:p>
@@ -2962,7 +2962,7 @@
           <a:p>
             <a:fld id="{76A6DF96-24C9-6049-963C-8A018557765F}" type="datetimeFigureOut">
               <a:rPr lang="en-US" smtClean="0"/>
-              <a:t>4/25/21</a:t>
+              <a:t>4/27/2021</a:t>
             </a:fld>
             <a:endParaRPr lang="en-US"/>
           </a:p>
@@ -3818,7 +3818,7 @@
           <a:p>
             <a:r>
               <a:rPr lang="en-US" sz="2400" dirty="0"/>
-              <a:t>Completion of UI</a:t>
+              <a:t>Completion of UI-Prototype</a:t>
             </a:r>
           </a:p>
           <a:p>
@@ -3976,12 +3976,6 @@
             <a:r>
               <a:rPr lang="en-US" sz="2400" dirty="0"/>
               <a:t>Dashboard</a:t>
-            </a:r>
-          </a:p>
-          <a:p>
-            <a:r>
-              <a:rPr lang="en-US" sz="2400" dirty="0"/>
-              <a:t>Drill Visualization</a:t>
             </a:r>
           </a:p>
           <a:p>
